--- a/Calendario2019/Presentaciones/Semana2/2_4_FuncionesF.pptx
+++ b/Calendario2019/Presentaciones/Semana2/2_4_FuncionesF.pptx
@@ -20580,7 +20580,7 @@
           <p:nvPr>
             <p:extLst>
               <p:ext uri="{D42A27DB-BD31-4B8C-83A1-F6EECF244321}">
-                <p14:modId xmlns:p14="http://schemas.microsoft.com/office/powerpoint/2010/main" val="2055569278"/>
+                <p14:modId xmlns:p14="http://schemas.microsoft.com/office/powerpoint/2010/main" val="1394362961"/>
               </p:ext>
             </p:extLst>
           </p:nvPr>
@@ -20898,7 +20898,7 @@
                         <a:rPr lang="es-MX" sz="1400" dirty="0">
                           <a:latin typeface="+mn-lt"/>
                         </a:rPr>
-                        <a:t>8.0</a:t>
+                        <a:t>5.0</a:t>
                       </a:r>
                     </a:p>
                   </a:txBody>
@@ -21130,7 +21130,7 @@
                         <a:rPr lang="es-MX" sz="1400" dirty="0">
                           <a:latin typeface="+mn-lt"/>
                         </a:rPr>
-                        <a:t>10.0</a:t>
+                        <a:t>8.0</a:t>
                       </a:r>
                     </a:p>
                   </a:txBody>
@@ -21411,7 +21411,7 @@
         </p:blipFill>
         <p:spPr>
           <a:xfrm>
-            <a:off x="2123728" y="3466491"/>
+            <a:off x="1860376" y="3164197"/>
             <a:ext cx="432048" cy="264803"/>
           </a:xfrm>
           <a:prstGeom prst="rect">
